--- a/Shitake-Survey.pptx
+++ b/Shitake-Survey.pptx
@@ -251,7 +251,7 @@
           <a:p>
             <a:fld id="{5BF6CC6D-4BE0-460A-A932-97A1F207180F}" type="datetimeFigureOut">
               <a:rPr lang="en-US" smtClean="0"/>
-              <a:t>11/18/2019</a:t>
+              <a:t>12/9/2019</a:t>
             </a:fld>
             <a:endParaRPr lang="en-US"/>
           </a:p>
@@ -462,7 +462,7 @@
           <a:p>
             <a:fld id="{5BF6CC6D-4BE0-460A-A932-97A1F207180F}" type="datetimeFigureOut">
               <a:rPr lang="en-US" smtClean="0"/>
-              <a:t>11/18/2019</a:t>
+              <a:t>12/9/2019</a:t>
             </a:fld>
             <a:endParaRPr lang="en-US"/>
           </a:p>
@@ -677,7 +677,7 @@
           <a:p>
             <a:fld id="{5BF6CC6D-4BE0-460A-A932-97A1F207180F}" type="datetimeFigureOut">
               <a:rPr lang="en-US" smtClean="0"/>
-              <a:t>11/18/2019</a:t>
+              <a:t>12/9/2019</a:t>
             </a:fld>
             <a:endParaRPr lang="en-US"/>
           </a:p>
@@ -878,7 +878,7 @@
           <a:p>
             <a:fld id="{5BF6CC6D-4BE0-460A-A932-97A1F207180F}" type="datetimeFigureOut">
               <a:rPr lang="en-US" smtClean="0"/>
-              <a:t>11/18/2019</a:t>
+              <a:t>12/9/2019</a:t>
             </a:fld>
             <a:endParaRPr lang="en-US"/>
           </a:p>
@@ -1157,7 +1157,7 @@
           <a:p>
             <a:fld id="{5BF6CC6D-4BE0-460A-A932-97A1F207180F}" type="datetimeFigureOut">
               <a:rPr lang="en-US" smtClean="0"/>
-              <a:t>11/18/2019</a:t>
+              <a:t>12/9/2019</a:t>
             </a:fld>
             <a:endParaRPr lang="en-US"/>
           </a:p>
@@ -1425,7 +1425,7 @@
           <a:p>
             <a:fld id="{5BF6CC6D-4BE0-460A-A932-97A1F207180F}" type="datetimeFigureOut">
               <a:rPr lang="en-US" smtClean="0"/>
-              <a:t>11/18/2019</a:t>
+              <a:t>12/9/2019</a:t>
             </a:fld>
             <a:endParaRPr lang="en-US"/>
           </a:p>
@@ -1841,7 +1841,7 @@
           <a:p>
             <a:fld id="{5BF6CC6D-4BE0-460A-A932-97A1F207180F}" type="datetimeFigureOut">
               <a:rPr lang="en-US" smtClean="0"/>
-              <a:t>11/18/2019</a:t>
+              <a:t>12/9/2019</a:t>
             </a:fld>
             <a:endParaRPr lang="en-US"/>
           </a:p>
@@ -1990,7 +1990,7 @@
           <a:p>
             <a:fld id="{5BF6CC6D-4BE0-460A-A932-97A1F207180F}" type="datetimeFigureOut">
               <a:rPr lang="en-US" smtClean="0"/>
-              <a:t>11/18/2019</a:t>
+              <a:t>12/9/2019</a:t>
             </a:fld>
             <a:endParaRPr lang="en-US"/>
           </a:p>
@@ -2116,7 +2116,7 @@
           <a:p>
             <a:fld id="{5BF6CC6D-4BE0-460A-A932-97A1F207180F}" type="datetimeFigureOut">
               <a:rPr lang="en-US" smtClean="0"/>
-              <a:t>11/18/2019</a:t>
+              <a:t>12/9/2019</a:t>
             </a:fld>
             <a:endParaRPr lang="en-US"/>
           </a:p>
@@ -2367,7 +2367,7 @@
           <a:p>
             <a:fld id="{5BF6CC6D-4BE0-460A-A932-97A1F207180F}" type="datetimeFigureOut">
               <a:rPr lang="en-US" smtClean="0"/>
-              <a:t>11/18/2019</a:t>
+              <a:t>12/9/2019</a:t>
             </a:fld>
             <a:endParaRPr lang="en-US"/>
           </a:p>
@@ -2812,7 +2812,7 @@
           <a:p>
             <a:fld id="{5BF6CC6D-4BE0-460A-A932-97A1F207180F}" type="datetimeFigureOut">
               <a:rPr lang="en-US" smtClean="0"/>
-              <a:t>11/18/2019</a:t>
+              <a:t>12/9/2019</a:t>
             </a:fld>
             <a:endParaRPr lang="en-US"/>
           </a:p>
@@ -3139,7 +3139,7 @@
           <a:p>
             <a:fld id="{5BF6CC6D-4BE0-460A-A932-97A1F207180F}" type="datetimeFigureOut">
               <a:rPr lang="en-US" smtClean="0"/>
-              <a:t>11/18/2019</a:t>
+              <a:t>12/9/2019</a:t>
             </a:fld>
             <a:endParaRPr lang="en-US"/>
           </a:p>
@@ -3643,13 +3643,15 @@
         </p:nvSpPr>
         <p:spPr/>
         <p:txBody>
-          <a:bodyPr/>
+          <a:bodyPr>
+            <a:normAutofit/>
+          </a:bodyPr>
           <a:lstStyle/>
           <a:p>
             <a:pPr algn="ctr"/>
             <a:r>
               <a:rPr lang="en-US" dirty="0"/>
-              <a:t>Shitake-Survey</a:t>
+              <a:t>Shitake-Survey Analysis</a:t>
             </a:r>
             <a:br>
               <a:rPr lang="en-US" dirty="0"/>
@@ -3657,6 +3659,13 @@
             <a:r>
               <a:rPr lang="en-US" sz="1400" b="1" dirty="0"/>
               <a:t>Rich Raines</a:t>
+            </a:r>
+            <a:br>
+              <a:rPr lang="en-US" sz="1400" b="1" dirty="0"/>
+            </a:br>
+            <a:r>
+              <a:rPr lang="en-US" sz="1050" b="1" dirty="0"/>
+              <a:t>https://github.com/ksu-is/ShitakeSurvey</a:t>
             </a:r>
           </a:p>
         </p:txBody>
@@ -3684,7 +3693,15 @@
           <a:p>
             <a:r>
               <a:rPr lang="en-US" dirty="0"/>
-              <a:t>We promise our survey won’t take you on a bad trip….</a:t>
+              <a:t>We promise our </a:t>
+            </a:r>
+            <a:r>
+              <a:rPr lang="en-US"/>
+              <a:t>survey analysis </a:t>
+            </a:r>
+            <a:r>
+              <a:rPr lang="en-US" dirty="0"/>
+              <a:t>won’t take you on a bad trip….</a:t>
             </a:r>
           </a:p>
         </p:txBody>
